--- a/widrinks.pptx
+++ b/widrinks.pptx
@@ -114,6 +114,11 @@
       </a:defRPr>
     </a:lvl9pPr>
   </p:defaultTextStyle>
+  <p:extLst>
+    <p:ext uri="{EFAFB233-063F-42B5-8137-9DF3F51BA10A}">
+      <p15:sldGuideLst xmlns:p15="http://schemas.microsoft.com/office/powerpoint/2012/main"/>
+    </p:ext>
+  </p:extLst>
 </p:presentation>
 </file>
 
@@ -212,7 +217,7 @@
           <a:effectLst/>
           <a:extLst>
             <a:ext uri="{91240B29-F687-4f45-9708-019B960494DF}">
-              <a14:hiddenLine xmlns:a14="http://schemas.microsoft.com/office/drawing/2010/main" xmlns="" w="9525">
+              <a14:hiddenLine xmlns="" xmlns:a14="http://schemas.microsoft.com/office/drawing/2010/main" w="9525">
                 <a:solidFill>
                   <a:srgbClr val="000000"/>
                 </a:solidFill>
@@ -405,7 +410,7 @@
             <a:fld id="{08B9EBBA-996F-894A-B54A-D6246ED52CEA}" type="datetimeFigureOut">
               <a:rPr lang="en-US" dirty="0"/>
               <a:pPr/>
-              <a:t>1/18/2022</a:t>
+              <a:t>1/19/2022</a:t>
             </a:fld>
             <a:endParaRPr lang="en-US" dirty="0"/>
           </a:p>
@@ -720,7 +725,7 @@
             <a:fld id="{18C79C5D-2A6F-F04D-97DA-BEF2467B64E4}" type="datetimeFigureOut">
               <a:rPr lang="en-US" dirty="0"/>
               <a:pPr/>
-              <a:t>1/18/2022</a:t>
+              <a:t>1/19/2022</a:t>
             </a:fld>
             <a:endParaRPr lang="en-US" dirty="0"/>
           </a:p>
@@ -1205,7 +1210,7 @@
             <a:fld id="{8DFA1846-DA80-1C48-A609-854EA85C59AD}" type="datetimeFigureOut">
               <a:rPr lang="en-US" dirty="0"/>
               <a:pPr/>
-              <a:t>1/18/2022</a:t>
+              <a:t>1/19/2022</a:t>
             </a:fld>
             <a:endParaRPr lang="en-US" dirty="0"/>
           </a:p>
@@ -1571,7 +1576,7 @@
             <a:fld id="{FBF54567-0DE4-3F47-BF90-CB84690072F9}" type="datetimeFigureOut">
               <a:rPr lang="en-US" dirty="0"/>
               <a:pPr/>
-              <a:t>1/18/2022</a:t>
+              <a:t>1/19/2022</a:t>
             </a:fld>
             <a:endParaRPr lang="en-US" dirty="0"/>
           </a:p>
@@ -1722,7 +1727,7 @@
           <a:ln/>
           <a:extLst>
             <a:ext uri="{91240B29-F687-4f45-9708-019B960494DF}">
-              <a14:hiddenLine xmlns:a14="http://schemas.microsoft.com/office/drawing/2010/main" xmlns="" w="9525">
+              <a14:hiddenLine xmlns="" xmlns:a14="http://schemas.microsoft.com/office/drawing/2010/main" w="9525">
                 <a:solidFill>
                   <a:srgbClr val="000000"/>
                 </a:solidFill>
@@ -1841,7 +1846,7 @@
             <a:fld id="{C6C52C72-DE31-F449-A4ED-4C594FD91407}" type="datetimeFigureOut">
               <a:rPr lang="en-US" dirty="0"/>
               <a:pPr/>
-              <a:t>1/18/2022</a:t>
+              <a:t>1/19/2022</a:t>
             </a:fld>
             <a:endParaRPr lang="en-US" dirty="0"/>
           </a:p>
@@ -1994,7 +1999,7 @@
           <a:ln/>
           <a:extLst>
             <a:ext uri="{91240B29-F687-4f45-9708-019B960494DF}">
-              <a14:hiddenLine xmlns:a14="http://schemas.microsoft.com/office/drawing/2010/main" xmlns="" w="9525">
+              <a14:hiddenLine xmlns="" xmlns:a14="http://schemas.microsoft.com/office/drawing/2010/main" w="9525">
                 <a:solidFill>
                   <a:srgbClr val="000000"/>
                 </a:solidFill>
@@ -2123,7 +2128,7 @@
             <a:fld id="{ED62726E-379B-B349-9EED-81ED093FA806}" type="datetimeFigureOut">
               <a:rPr lang="en-US" dirty="0"/>
               <a:pPr/>
-              <a:t>1/18/2022</a:t>
+              <a:t>1/19/2022</a:t>
             </a:fld>
             <a:endParaRPr lang="en-US" dirty="0"/>
           </a:p>
@@ -2274,7 +2279,7 @@
           <a:ln/>
           <a:extLst>
             <a:ext uri="{91240B29-F687-4f45-9708-019B960494DF}">
-              <a14:hiddenLine xmlns:a14="http://schemas.microsoft.com/office/drawing/2010/main" xmlns="" w="9525">
+              <a14:hiddenLine xmlns="" xmlns:a14="http://schemas.microsoft.com/office/drawing/2010/main" w="9525">
                 <a:solidFill>
                   <a:srgbClr val="000000"/>
                 </a:solidFill>
@@ -2403,7 +2408,7 @@
             <a:fld id="{9B3A1323-8D79-1946-B0D7-40001CF92E9D}" type="datetimeFigureOut">
               <a:rPr lang="en-US" dirty="0"/>
               <a:pPr/>
-              <a:t>1/18/2022</a:t>
+              <a:t>1/19/2022</a:t>
             </a:fld>
             <a:endParaRPr lang="en-US" dirty="0"/>
           </a:p>
@@ -2743,7 +2748,7 @@
             <a:fld id="{8DFA1846-DA80-1C48-A609-854EA85C59AD}" type="datetimeFigureOut">
               <a:rPr lang="en-US" dirty="0"/>
               <a:pPr/>
-              <a:t>1/18/2022</a:t>
+              <a:t>1/19/2022</a:t>
             </a:fld>
             <a:endParaRPr lang="en-US" dirty="0"/>
           </a:p>
@@ -2894,7 +2899,7 @@
           <a:ln/>
           <a:extLst>
             <a:ext uri="{91240B29-F687-4f45-9708-019B960494DF}">
-              <a14:hiddenLine xmlns:a14="http://schemas.microsoft.com/office/drawing/2010/main" xmlns="" w="9525">
+              <a14:hiddenLine xmlns="" xmlns:a14="http://schemas.microsoft.com/office/drawing/2010/main" w="9525">
                 <a:solidFill>
                   <a:srgbClr val="000000"/>
                 </a:solidFill>
@@ -3079,7 +3084,7 @@
             <a:fld id="{57302355-E14B-8545-A8F8-0FE83CC9D524}" type="datetimeFigureOut">
               <a:rPr lang="en-US" dirty="0"/>
               <a:pPr/>
-              <a:t>1/18/2022</a:t>
+              <a:t>1/19/2022</a:t>
             </a:fld>
             <a:endParaRPr lang="en-US" dirty="0"/>
           </a:p>
@@ -3230,7 +3235,7 @@
           <a:ln/>
           <a:extLst>
             <a:ext uri="{91240B29-F687-4f45-9708-019B960494DF}">
-              <a14:hiddenLine xmlns:a14="http://schemas.microsoft.com/office/drawing/2010/main" xmlns="" w="9525">
+              <a14:hiddenLine xmlns="" xmlns:a14="http://schemas.microsoft.com/office/drawing/2010/main" w="9525">
                 <a:solidFill>
                   <a:srgbClr val="000000"/>
                 </a:solidFill>
@@ -3553,7 +3558,7 @@
             <a:fld id="{02640F58-564D-2B4F-AE67-E407BA4FCF45}" type="datetimeFigureOut">
               <a:rPr lang="en-US" dirty="0"/>
               <a:pPr/>
-              <a:t>1/18/2022</a:t>
+              <a:t>1/19/2022</a:t>
             </a:fld>
             <a:endParaRPr lang="en-US" dirty="0"/>
           </a:p>
@@ -3704,7 +3709,7 @@
           <a:ln/>
           <a:extLst>
             <a:ext uri="{91240B29-F687-4f45-9708-019B960494DF}">
-              <a14:hiddenLine xmlns:a14="http://schemas.microsoft.com/office/drawing/2010/main" xmlns="" w="9525">
+              <a14:hiddenLine xmlns="" xmlns:a14="http://schemas.microsoft.com/office/drawing/2010/main" w="9525">
                 <a:solidFill>
                   <a:srgbClr val="000000"/>
                 </a:solidFill>
@@ -3771,7 +3776,7 @@
             <a:fld id="{F13A34C8-038E-2045-AF43-DF7DBB8E0E9E}" type="datetimeFigureOut">
               <a:rPr lang="en-US" dirty="0"/>
               <a:pPr/>
-              <a:t>1/18/2022</a:t>
+              <a:t>1/19/2022</a:t>
             </a:fld>
             <a:endParaRPr lang="en-US" dirty="0"/>
           </a:p>
@@ -3863,7 +3868,7 @@
             <a:fld id="{8818C68F-D26B-8F47-958C-23B49CF8A634}" type="datetimeFigureOut">
               <a:rPr lang="en-US" dirty="0"/>
               <a:pPr/>
-              <a:t>1/18/2022</a:t>
+              <a:t>1/19/2022</a:t>
             </a:fld>
             <a:endParaRPr lang="en-US" dirty="0"/>
           </a:p>
@@ -4127,7 +4132,7 @@
           <a:ln/>
           <a:extLst>
             <a:ext uri="{91240B29-F687-4f45-9708-019B960494DF}">
-              <a14:hiddenLine xmlns:a14="http://schemas.microsoft.com/office/drawing/2010/main" xmlns="" w="9525">
+              <a14:hiddenLine xmlns="" xmlns:a14="http://schemas.microsoft.com/office/drawing/2010/main" w="9525">
                 <a:solidFill>
                   <a:srgbClr val="000000"/>
                 </a:solidFill>
@@ -4327,7 +4332,7 @@
             <a:fld id="{D0DF5E60-9974-AC48-9591-99C2BB44B7CF}" type="datetimeFigureOut">
               <a:rPr lang="en-US" dirty="0"/>
               <a:pPr/>
-              <a:t>1/18/2022</a:t>
+              <a:t>1/19/2022</a:t>
             </a:fld>
             <a:endParaRPr lang="en-US" dirty="0"/>
           </a:p>
@@ -4637,7 +4642,7 @@
             <a:fld id="{18C79C5D-2A6F-F04D-97DA-BEF2467B64E4}" type="datetimeFigureOut">
               <a:rPr lang="en-US" dirty="0"/>
               <a:pPr/>
-              <a:t>1/18/2022</a:t>
+              <a:t>1/19/2022</a:t>
             </a:fld>
             <a:endParaRPr lang="en-US" dirty="0"/>
           </a:p>
@@ -4904,7 +4909,7 @@
             <a:fld id="{09B482E8-6E0E-1B4F-B1FD-C69DB9E858D9}" type="datetimeFigureOut">
               <a:rPr lang="en-US" dirty="0"/>
               <a:pPr/>
-              <a:t>1/18/2022</a:t>
+              <a:t>1/19/2022</a:t>
             </a:fld>
             <a:endParaRPr lang="en-US" dirty="0"/>
           </a:p>
@@ -5483,6 +5488,15 @@
           <a:lstStyle/>
           <a:p>
             <a:r>
+              <a:rPr lang="nl-NL" dirty="0">
+                <a:solidFill>
+                  <a:schemeClr val="tx1"/>
+                </a:solidFill>
+                <a:latin typeface="Arial" panose="020B0604020202020204" pitchFamily="34" charset="0"/>
+              </a:rPr>
+              <a:t>B</a:t>
+            </a:r>
+            <a:r>
               <a:rPr lang="nl-NL" b="1" i="0" dirty="0">
                 <a:solidFill>
                   <a:schemeClr val="tx1"/>
@@ -5490,7 +5504,7 @@
                 <a:effectLst/>
                 <a:latin typeface="Arial" panose="020B0604020202020204" pitchFamily="34" charset="0"/>
               </a:rPr>
-              <a:t>behaalt</a:t>
+              <a:t>ehaald</a:t>
             </a:r>
             <a:endParaRPr lang="nl-NL" dirty="0"/>
           </a:p>
@@ -5539,59 +5553,19 @@
                 <a:effectLst/>
                 <a:latin typeface="Whitney"/>
               </a:rPr>
-              <a:t>Integratie van </a:t>
-            </a:r>
-            <a:r>
-              <a:rPr lang="nl-NL" b="0" i="0" dirty="0" err="1">
+              <a:t>Integratie van YouTube </a:t>
+            </a:r>
+          </a:p>
+          <a:p>
+            <a:r>
+              <a:rPr lang="nl-NL" b="0" i="0" dirty="0">
                 <a:solidFill>
                   <a:srgbClr val="DCDDDE"/>
                 </a:solidFill>
                 <a:effectLst/>
                 <a:latin typeface="Whitney"/>
               </a:rPr>
-              <a:t>youtube</a:t>
-            </a:r>
-            <a:r>
-              <a:rPr lang="nl-NL" b="0" i="0" dirty="0">
-                <a:solidFill>
-                  <a:srgbClr val="DCDDDE"/>
-                </a:solidFill>
-                <a:effectLst/>
-                <a:latin typeface="Whitney"/>
-              </a:rPr>
-              <a:t> </a:t>
-            </a:r>
-          </a:p>
-          <a:p>
-            <a:r>
-              <a:rPr lang="nl-NL" b="0" i="0" dirty="0">
-                <a:solidFill>
-                  <a:srgbClr val="DCDDDE"/>
-                </a:solidFill>
-                <a:effectLst/>
-                <a:latin typeface="Whitney"/>
-              </a:rPr>
-              <a:t>Google </a:t>
-            </a:r>
-            <a:r>
-              <a:rPr lang="nl-NL" b="0" i="0" dirty="0" err="1">
-                <a:solidFill>
-                  <a:srgbClr val="DCDDDE"/>
-                </a:solidFill>
-                <a:effectLst/>
-                <a:latin typeface="Whitney"/>
-              </a:rPr>
-              <a:t>analytics</a:t>
-            </a:r>
-            <a:r>
-              <a:rPr lang="nl-NL" b="0" i="0" dirty="0">
-                <a:solidFill>
-                  <a:srgbClr val="DCDDDE"/>
-                </a:solidFill>
-                <a:effectLst/>
-                <a:latin typeface="Whitney"/>
-              </a:rPr>
-              <a:t> </a:t>
+              <a:t>Google Analytics </a:t>
             </a:r>
           </a:p>
           <a:p>
@@ -5974,7 +5948,7 @@
                 <a:effectLst/>
                 <a:latin typeface="Arial" panose="020B0604020202020204" pitchFamily="34" charset="0"/>
               </a:rPr>
-              <a:t>Wat kan je er met doen?</a:t>
+              <a:t>Wat kan je er me doen?</a:t>
             </a:r>
             <a:endParaRPr lang="nl-NL" dirty="0">
               <a:solidFill>
@@ -6032,10 +6006,10 @@
       </p:sp>
       <p:sp>
         <p:nvSpPr>
-          <p:cNvPr id="4" name="Rectangle 1">
+          <p:cNvPr id="5" name="Rectangle 2">
             <a:extLst>
               <a:ext uri="{FF2B5EF4-FFF2-40B4-BE49-F238E27FC236}">
-                <a16:creationId xmlns:a16="http://schemas.microsoft.com/office/drawing/2014/main" id="{95693290-2FCE-41D3-9568-EE947C5BDC0C}"/>
+                <a16:creationId xmlns:a16="http://schemas.microsoft.com/office/drawing/2014/main" id="{D84D4D22-1693-4835-8F7B-2737ECA5DE50}"/>
               </a:ext>
             </a:extLst>
           </p:cNvPr>
@@ -6046,8 +6020,8 @@
         </p:nvSpPr>
         <p:spPr bwMode="auto">
           <a:xfrm>
-            <a:off x="0" y="0"/>
-            <a:ext cx="12192000" cy="0"/>
+            <a:off x="0" y="-276999"/>
+            <a:ext cx="184731" cy="553998"/>
           </a:xfrm>
           <a:prstGeom prst="rect">
             <a:avLst/>
@@ -6087,286 +6061,6 @@
           </a:extLst>
         </p:spPr>
         <p:txBody>
-          <a:bodyPr vert="horz" wrap="none" lIns="0" tIns="0" rIns="0" bIns="0" numCol="1" anchor="ctr" anchorCtr="0" compatLnSpc="1">
-            <a:prstTxWarp prst="textNoShape">
-              <a:avLst/>
-            </a:prstTxWarp>
-            <a:spAutoFit/>
-          </a:bodyPr>
-          <a:lstStyle>
-            <a:lvl1pPr eaLnBrk="0" fontAlgn="base" hangingPunct="0">
-              <a:spcBef>
-                <a:spcPct val="0"/>
-              </a:spcBef>
-              <a:spcAft>
-                <a:spcPct val="0"/>
-              </a:spcAft>
-              <a:defRPr>
-                <a:solidFill>
-                  <a:schemeClr val="tx1"/>
-                </a:solidFill>
-                <a:latin typeface="Arial" panose="020B0604020202020204" pitchFamily="34" charset="0"/>
-              </a:defRPr>
-            </a:lvl1pPr>
-            <a:lvl2pPr eaLnBrk="0" fontAlgn="base" hangingPunct="0">
-              <a:spcBef>
-                <a:spcPct val="0"/>
-              </a:spcBef>
-              <a:spcAft>
-                <a:spcPct val="0"/>
-              </a:spcAft>
-              <a:defRPr>
-                <a:solidFill>
-                  <a:schemeClr val="tx1"/>
-                </a:solidFill>
-                <a:latin typeface="Arial" panose="020B0604020202020204" pitchFamily="34" charset="0"/>
-              </a:defRPr>
-            </a:lvl2pPr>
-            <a:lvl3pPr eaLnBrk="0" fontAlgn="base" hangingPunct="0">
-              <a:spcBef>
-                <a:spcPct val="0"/>
-              </a:spcBef>
-              <a:spcAft>
-                <a:spcPct val="0"/>
-              </a:spcAft>
-              <a:defRPr>
-                <a:solidFill>
-                  <a:schemeClr val="tx1"/>
-                </a:solidFill>
-                <a:latin typeface="Arial" panose="020B0604020202020204" pitchFamily="34" charset="0"/>
-              </a:defRPr>
-            </a:lvl3pPr>
-            <a:lvl4pPr eaLnBrk="0" fontAlgn="base" hangingPunct="0">
-              <a:spcBef>
-                <a:spcPct val="0"/>
-              </a:spcBef>
-              <a:spcAft>
-                <a:spcPct val="0"/>
-              </a:spcAft>
-              <a:defRPr>
-                <a:solidFill>
-                  <a:schemeClr val="tx1"/>
-                </a:solidFill>
-                <a:latin typeface="Arial" panose="020B0604020202020204" pitchFamily="34" charset="0"/>
-              </a:defRPr>
-            </a:lvl4pPr>
-            <a:lvl5pPr eaLnBrk="0" fontAlgn="base" hangingPunct="0">
-              <a:spcBef>
-                <a:spcPct val="0"/>
-              </a:spcBef>
-              <a:spcAft>
-                <a:spcPct val="0"/>
-              </a:spcAft>
-              <a:defRPr>
-                <a:solidFill>
-                  <a:schemeClr val="tx1"/>
-                </a:solidFill>
-                <a:latin typeface="Arial" panose="020B0604020202020204" pitchFamily="34" charset="0"/>
-              </a:defRPr>
-            </a:lvl5pPr>
-            <a:lvl6pPr eaLnBrk="0" fontAlgn="base" hangingPunct="0">
-              <a:spcBef>
-                <a:spcPct val="0"/>
-              </a:spcBef>
-              <a:spcAft>
-                <a:spcPct val="0"/>
-              </a:spcAft>
-              <a:defRPr>
-                <a:solidFill>
-                  <a:schemeClr val="tx1"/>
-                </a:solidFill>
-                <a:latin typeface="Arial" panose="020B0604020202020204" pitchFamily="34" charset="0"/>
-              </a:defRPr>
-            </a:lvl6pPr>
-            <a:lvl7pPr eaLnBrk="0" fontAlgn="base" hangingPunct="0">
-              <a:spcBef>
-                <a:spcPct val="0"/>
-              </a:spcBef>
-              <a:spcAft>
-                <a:spcPct val="0"/>
-              </a:spcAft>
-              <a:defRPr>
-                <a:solidFill>
-                  <a:schemeClr val="tx1"/>
-                </a:solidFill>
-                <a:latin typeface="Arial" panose="020B0604020202020204" pitchFamily="34" charset="0"/>
-              </a:defRPr>
-            </a:lvl7pPr>
-            <a:lvl8pPr eaLnBrk="0" fontAlgn="base" hangingPunct="0">
-              <a:spcBef>
-                <a:spcPct val="0"/>
-              </a:spcBef>
-              <a:spcAft>
-                <a:spcPct val="0"/>
-              </a:spcAft>
-              <a:defRPr>
-                <a:solidFill>
-                  <a:schemeClr val="tx1"/>
-                </a:solidFill>
-                <a:latin typeface="Arial" panose="020B0604020202020204" pitchFamily="34" charset="0"/>
-              </a:defRPr>
-            </a:lvl8pPr>
-            <a:lvl9pPr eaLnBrk="0" fontAlgn="base" hangingPunct="0">
-              <a:spcBef>
-                <a:spcPct val="0"/>
-              </a:spcBef>
-              <a:spcAft>
-                <a:spcPct val="0"/>
-              </a:spcAft>
-              <a:defRPr>
-                <a:solidFill>
-                  <a:schemeClr val="tx1"/>
-                </a:solidFill>
-                <a:latin typeface="Arial" panose="020B0604020202020204" pitchFamily="34" charset="0"/>
-              </a:defRPr>
-            </a:lvl9pPr>
-          </a:lstStyle>
-          <a:p>
-            <a:pPr marL="0" marR="0" lvl="0" indent="0" algn="l" defTabSz="914400" rtl="0" eaLnBrk="0" fontAlgn="base" latinLnBrk="0" hangingPunct="0">
-              <a:lnSpc>
-                <a:spcPct val="100000"/>
-              </a:lnSpc>
-              <a:spcBef>
-                <a:spcPct val="0"/>
-              </a:spcBef>
-              <a:spcAft>
-                <a:spcPct val="0"/>
-              </a:spcAft>
-              <a:buClrTx/>
-              <a:buSzTx/>
-              <a:buFontTx/>
-              <a:buNone/>
-              <a:tabLst/>
-            </a:pPr>
-            <a:endParaRPr kumimoji="0" lang="nl-NL" altLang="nl-NL" sz="1200" b="0" i="0" u="none" strike="noStrike" cap="none" normalizeH="0" baseline="0">
-              <a:ln>
-                <a:noFill/>
-              </a:ln>
-              <a:solidFill>
-                <a:schemeClr val="tx1"/>
-              </a:solidFill>
-              <a:effectLst/>
-              <a:latin typeface="inherit"/>
-            </a:endParaRPr>
-          </a:p>
-          <a:p>
-            <a:pPr marL="0" marR="0" lvl="0" indent="0" algn="l" defTabSz="914400" rtl="0" eaLnBrk="0" fontAlgn="base" latinLnBrk="0" hangingPunct="0">
-              <a:lnSpc>
-                <a:spcPct val="100000"/>
-              </a:lnSpc>
-              <a:spcBef>
-                <a:spcPct val="0"/>
-              </a:spcBef>
-              <a:spcAft>
-                <a:spcPct val="0"/>
-              </a:spcAft>
-              <a:buClrTx/>
-              <a:buSzTx/>
-              <a:buFontTx/>
-              <a:buAutoNum type="arabicPeriod"/>
-              <a:tabLst/>
-            </a:pPr>
-            <a:r>
-              <a:rPr kumimoji="0" lang="nl-NL" altLang="nl-NL" sz="1200" b="0" i="0" u="none" strike="noStrike" cap="none" normalizeH="0" baseline="0">
-                <a:ln>
-                  <a:noFill/>
-                </a:ln>
-                <a:solidFill>
-                  <a:schemeClr val="tx1"/>
-                </a:solidFill>
-                <a:effectLst/>
-                <a:latin typeface="inherit"/>
-              </a:rPr>
-              <a:t>-Alcoholische wikipedia -Bier, wijn, sterke drank -Alcohol</a:t>
-            </a:r>
-          </a:p>
-          <a:p>
-            <a:pPr marL="0" marR="0" lvl="0" indent="0" algn="l" defTabSz="914400" rtl="0" eaLnBrk="0" fontAlgn="base" latinLnBrk="0" hangingPunct="0">
-              <a:lnSpc>
-                <a:spcPct val="100000"/>
-              </a:lnSpc>
-              <a:spcBef>
-                <a:spcPct val="0"/>
-              </a:spcBef>
-              <a:spcAft>
-                <a:spcPct val="0"/>
-              </a:spcAft>
-              <a:buClrTx/>
-              <a:buSzTx/>
-              <a:buFontTx/>
-              <a:buNone/>
-              <a:tabLst/>
-            </a:pPr>
-            <a:endParaRPr kumimoji="0" lang="nl-NL" altLang="nl-NL" sz="1800" b="0" i="0" u="none" strike="noStrike" cap="none" normalizeH="0" baseline="0">
-              <a:ln>
-                <a:noFill/>
-              </a:ln>
-              <a:solidFill>
-                <a:schemeClr val="tx1"/>
-              </a:solidFill>
-              <a:effectLst/>
-              <a:latin typeface="Arial" panose="020B0604020202020204" pitchFamily="34" charset="0"/>
-            </a:endParaRPr>
-          </a:p>
-        </p:txBody>
-      </p:sp>
-      <p:sp>
-        <p:nvSpPr>
-          <p:cNvPr id="5" name="Rectangle 2">
-            <a:extLst>
-              <a:ext uri="{FF2B5EF4-FFF2-40B4-BE49-F238E27FC236}">
-                <a16:creationId xmlns:a16="http://schemas.microsoft.com/office/drawing/2014/main" id="{D84D4D22-1693-4835-8F7B-2737ECA5DE50}"/>
-              </a:ext>
-            </a:extLst>
-          </p:cNvPr>
-          <p:cNvSpPr>
-            <a:spLocks noChangeArrowheads="1"/>
-          </p:cNvSpPr>
-          <p:nvPr/>
-        </p:nvSpPr>
-        <p:spPr bwMode="auto">
-          <a:xfrm>
-            <a:off x="0" y="0"/>
-            <a:ext cx="12192000" cy="0"/>
-          </a:xfrm>
-          <a:prstGeom prst="rect">
-            <a:avLst/>
-          </a:prstGeom>
-          <a:noFill/>
-          <a:ln>
-            <a:noFill/>
-          </a:ln>
-          <a:effectLst/>
-          <a:extLst>
-            <a:ext uri="{909E8E84-426E-40DD-AFC4-6F175D3DCCD1}">
-              <a14:hiddenFill xmlns:a14="http://schemas.microsoft.com/office/drawing/2010/main">
-                <a:solidFill>
-                  <a:schemeClr val="accent1"/>
-                </a:solidFill>
-              </a14:hiddenFill>
-            </a:ext>
-            <a:ext uri="{91240B29-F687-4F45-9708-019B960494DF}">
-              <a14:hiddenLine xmlns:a14="http://schemas.microsoft.com/office/drawing/2010/main" w="9525">
-                <a:solidFill>
-                  <a:schemeClr val="tx1"/>
-                </a:solidFill>
-                <a:miter lim="800000"/>
-                <a:headEnd/>
-                <a:tailEnd/>
-              </a14:hiddenLine>
-            </a:ext>
-            <a:ext uri="{AF507438-7753-43E0-B8FC-AC1667EBCBE1}">
-              <a14:hiddenEffects xmlns:a14="http://schemas.microsoft.com/office/drawing/2010/main">
-                <a:effectLst>
-                  <a:outerShdw dist="35921" dir="2700000" algn="ctr" rotWithShape="0">
-                    <a:schemeClr val="bg2"/>
-                  </a:outerShdw>
-                </a:effectLst>
-              </a14:hiddenEffects>
-            </a:ext>
-          </a:extLst>
-        </p:spPr>
-        <p:txBody>
           <a:bodyPr vert="horz" wrap="none" lIns="91440" tIns="45720" rIns="91440" bIns="45720" numCol="1" anchor="ctr" anchorCtr="0" compatLnSpc="1">
             <a:prstTxWarp prst="textNoShape">
               <a:avLst/>
@@ -6518,7 +6212,7 @@
               <a:buNone/>
               <a:tabLst/>
             </a:pPr>
-            <a:endParaRPr kumimoji="0" lang="nl-NL" altLang="nl-NL" sz="1200" b="0" i="0" u="none" strike="noStrike" cap="none" normalizeH="0" baseline="0">
+            <a:endParaRPr kumimoji="0" lang="nl-NL" altLang="nl-NL" sz="1200" b="0" i="0" u="none" strike="noStrike" cap="none" normalizeH="0" baseline="0" dirty="0">
               <a:ln>
                 <a:noFill/>
               </a:ln>
@@ -6546,48 +6240,7 @@
               <a:buNone/>
               <a:tabLst/>
             </a:pPr>
-            <a:r>
-              <a:rPr kumimoji="0" lang="nl-NL" altLang="nl-NL" sz="1200" b="0" i="0" u="none" strike="noStrike" cap="none" normalizeH="0" baseline="0">
-                <a:ln>
-                  <a:noFill/>
-                </a:ln>
-                <a:solidFill>
-                  <a:schemeClr val="tx1"/>
-                </a:solidFill>
-                <a:effectLst/>
-                <a:latin typeface="Whitney"/>
-              </a:rPr>
-              <a:t>Bericht sturen naar #algemeen</a:t>
-            </a:r>
-            <a:endParaRPr kumimoji="0" lang="nl-NL" altLang="nl-NL" sz="1200" b="0" i="0" u="none" strike="noStrike" cap="none" normalizeH="0" baseline="0">
-              <a:ln>
-                <a:noFill/>
-              </a:ln>
-              <a:solidFill>
-                <a:schemeClr val="tx1"/>
-              </a:solidFill>
-              <a:effectLst/>
-              <a:latin typeface="inherit"/>
-            </a:endParaRPr>
-          </a:p>
-          <a:p>
-            <a:pPr marL="0" marR="0" lvl="0" indent="0" algn="l" defTabSz="914400" rtl="0" eaLnBrk="0" fontAlgn="base" latinLnBrk="0" hangingPunct="0">
-              <a:lnSpc>
-                <a:spcPct val="100000"/>
-              </a:lnSpc>
-              <a:spcBef>
-                <a:spcPct val="0"/>
-              </a:spcBef>
-              <a:spcAft>
-                <a:spcPct val="0"/>
-              </a:spcAft>
-              <a:buClrTx/>
-              <a:buSzTx/>
-              <a:buFontTx/>
-              <a:buNone/>
-              <a:tabLst/>
-            </a:pPr>
-            <a:endParaRPr kumimoji="0" lang="nl-NL" altLang="nl-NL" sz="1800" b="0" i="0" u="none" strike="noStrike" cap="none" normalizeH="0" baseline="0">
+            <a:endParaRPr kumimoji="0" lang="nl-NL" altLang="nl-NL" sz="1800" b="0" i="0" u="none" strike="noStrike" cap="none" normalizeH="0" baseline="0" dirty="0">
               <a:ln>
                 <a:noFill/>
               </a:ln>
@@ -6616,7 +6269,7 @@
         </p:nvSpPr>
         <p:spPr bwMode="auto">
           <a:xfrm>
-            <a:off x="0" y="0"/>
+            <a:off x="0" y="-8878"/>
             <a:ext cx="3149600" cy="0"/>
           </a:xfrm>
           <a:prstGeom prst="rect">
